--- a/Architecture_Diagram_Emerald.pptx
+++ b/Architecture_Diagram_Emerald.pptx
@@ -3354,7 +3354,7 @@
         </p:blipFill>
         <p:spPr>
           <a:xfrm>
-            <a:off x="2474138" y="4757047"/>
+            <a:off x="2474138" y="4626415"/>
             <a:ext cx="992754" cy="992754"/>
           </a:xfrm>
           <a:prstGeom prst="rect">
@@ -3462,7 +3462,7 @@
         </p:blipFill>
         <p:spPr>
           <a:xfrm>
-            <a:off x="9397669" y="1084138"/>
+            <a:off x="9310581" y="1084138"/>
             <a:ext cx="621375" cy="621055"/>
           </a:xfrm>
           <a:prstGeom prst="rect">
@@ -3498,8 +3498,8 @@
         </p:blipFill>
         <p:spPr>
           <a:xfrm>
-            <a:off x="10661882" y="972778"/>
-            <a:ext cx="1508714" cy="945603"/>
+            <a:off x="10796412" y="917350"/>
+            <a:ext cx="1351762" cy="945603"/>
           </a:xfrm>
           <a:prstGeom prst="rect">
             <a:avLst/>
@@ -3534,7 +3534,7 @@
         </p:blipFill>
         <p:spPr>
           <a:xfrm>
-            <a:off x="5970383" y="3429000"/>
+            <a:off x="5970383" y="2960903"/>
             <a:ext cx="653369" cy="653369"/>
           </a:xfrm>
           <a:prstGeom prst="rect">
@@ -3599,7 +3599,7 @@
         </p:nvSpPr>
         <p:spPr>
           <a:xfrm>
-            <a:off x="3767000" y="1647083"/>
+            <a:off x="3767000" y="1614425"/>
             <a:ext cx="1512114" cy="276999"/>
           </a:xfrm>
           <a:prstGeom prst="rect">
@@ -3675,7 +3675,7 @@
         </p:nvSpPr>
         <p:spPr>
           <a:xfrm>
-            <a:off x="4625005" y="3463764"/>
+            <a:off x="4625005" y="2995667"/>
             <a:ext cx="1398311" cy="276999"/>
           </a:xfrm>
           <a:prstGeom prst="rect">
@@ -3710,7 +3710,7 @@
         </p:nvSpPr>
         <p:spPr>
           <a:xfrm>
-            <a:off x="10605562" y="1692420"/>
+            <a:off x="10603808" y="1626140"/>
             <a:ext cx="1565034" cy="461665"/>
           </a:xfrm>
           <a:prstGeom prst="rect">
@@ -3767,7 +3767,7 @@
         </p:nvSpPr>
         <p:spPr>
           <a:xfrm>
-            <a:off x="9384049" y="1746799"/>
+            <a:off x="9253417" y="1692369"/>
             <a:ext cx="852983" cy="276999"/>
           </a:xfrm>
           <a:prstGeom prst="rect">
@@ -3800,13 +3800,14 @@
           <p:cNvCxnSpPr>
             <a:cxnSpLocks/>
             <a:stCxn id="11" idx="3"/>
+            <a:endCxn id="13" idx="1"/>
           </p:cNvCxnSpPr>
           <p:nvPr/>
         </p:nvCxnSpPr>
         <p:spPr>
           <a:xfrm flipV="1">
-            <a:off x="10019044" y="1394665"/>
-            <a:ext cx="660246" cy="1"/>
+            <a:off x="9931956" y="1390152"/>
+            <a:ext cx="864456" cy="4514"/>
           </a:xfrm>
           <a:prstGeom prst="line">
             <a:avLst/>
@@ -3846,8 +3847,8 @@
         </p:nvCxnSpPr>
         <p:spPr>
           <a:xfrm>
-            <a:off x="4405745" y="2023798"/>
-            <a:ext cx="0" cy="1277395"/>
+            <a:off x="4406099" y="1922376"/>
+            <a:ext cx="0" cy="1005729"/>
           </a:xfrm>
           <a:prstGeom prst="straightConnector1">
             <a:avLst/>
@@ -3924,8 +3925,8 @@
         </p:nvSpPr>
         <p:spPr>
           <a:xfrm rot="16200000">
-            <a:off x="3491345" y="2406636"/>
-            <a:ext cx="1512114" cy="276999"/>
+            <a:off x="3802823" y="2070265"/>
+            <a:ext cx="1155360" cy="461665"/>
           </a:xfrm>
           <a:prstGeom prst="rect">
             <a:avLst/>
@@ -3973,7 +3974,7 @@
         </p:blipFill>
         <p:spPr>
           <a:xfrm>
-            <a:off x="4108902" y="3446250"/>
+            <a:off x="4108902" y="2978153"/>
             <a:ext cx="600436" cy="600436"/>
           </a:xfrm>
           <a:prstGeom prst="rect">
@@ -3998,7 +3999,7 @@
         </p:nvCxnSpPr>
         <p:spPr>
           <a:xfrm>
-            <a:off x="4709338" y="3746468"/>
+            <a:off x="4709338" y="3278371"/>
             <a:ext cx="1229644" cy="0"/>
           </a:xfrm>
           <a:prstGeom prst="straightConnector1">
@@ -4072,7 +4073,7 @@
         </p:nvSpPr>
         <p:spPr>
           <a:xfrm>
-            <a:off x="5576127" y="4029050"/>
+            <a:off x="5576127" y="3560953"/>
             <a:ext cx="1565034" cy="276999"/>
           </a:xfrm>
           <a:prstGeom prst="rect">
@@ -4111,7 +4112,7 @@
         </p:nvCxnSpPr>
         <p:spPr>
           <a:xfrm>
-            <a:off x="6767583" y="3779638"/>
+            <a:off x="6767583" y="3311541"/>
             <a:ext cx="1229644" cy="0"/>
           </a:xfrm>
           <a:prstGeom prst="straightConnector1">
@@ -4136,12 +4137,53 @@
           </a:fontRef>
         </p:style>
       </p:cxnSp>
+      <p:sp>
+        <p:nvSpPr>
+          <p:cNvPr id="47" name="TextBox 46">
+            <a:extLst>
+              <a:ext uri="{FF2B5EF4-FFF2-40B4-BE49-F238E27FC236}">
+                <a16:creationId xmlns:a16="http://schemas.microsoft.com/office/drawing/2014/main" id="{BF8484E9-A086-C77C-2F6A-36B9E927AB1B}"/>
+              </a:ext>
+            </a:extLst>
+          </p:cNvPr>
+          <p:cNvSpPr txBox="1"/>
+          <p:nvPr/>
+        </p:nvSpPr>
+        <p:spPr>
+          <a:xfrm>
+            <a:off x="7546309" y="3578589"/>
+            <a:ext cx="1565034" cy="276999"/>
+          </a:xfrm>
+          <a:prstGeom prst="rect">
+            <a:avLst/>
+          </a:prstGeom>
+          <a:noFill/>
+        </p:spPr>
+        <p:txBody>
+          <a:bodyPr wrap="square" rtlCol="0">
+            <a:spAutoFit/>
+          </a:bodyPr>
+          <a:lstStyle/>
+          <a:p>
+            <a:pPr algn="ctr"/>
+            <a:r>
+              <a:rPr lang="es-ES" sz="1200" dirty="0"/>
+              <a:t>HTTP </a:t>
+            </a:r>
+            <a:r>
+              <a:rPr lang="es-ES" sz="1200" dirty="0" err="1"/>
+              <a:t>Request</a:t>
+            </a:r>
+            <a:endParaRPr lang="en-US" sz="1200" dirty="0"/>
+          </a:p>
+        </p:txBody>
+      </p:sp>
       <p:pic>
         <p:nvPicPr>
-          <p:cNvPr id="46" name="Picture 45" descr="A blue and white logo&#10;&#10;AI-generated content may be incorrect.">
-            <a:extLst>
-              <a:ext uri="{FF2B5EF4-FFF2-40B4-BE49-F238E27FC236}">
-                <a16:creationId xmlns:a16="http://schemas.microsoft.com/office/drawing/2014/main" id="{FC63AEE4-591D-B0FF-930D-C87A6C629B5D}"/>
+          <p:cNvPr id="48" name="Picture 47" descr="A blue and white logo&#10;&#10;AI-generated content may be incorrect.">
+            <a:extLst>
+              <a:ext uri="{FF2B5EF4-FFF2-40B4-BE49-F238E27FC236}">
+                <a16:creationId xmlns:a16="http://schemas.microsoft.com/office/drawing/2014/main" id="{340CE17B-7A83-5F61-57A1-86B944C9C2D6}"/>
               </a:ext>
             </a:extLst>
           </p:cNvPr>
@@ -4164,7 +4206,7 @@
         </p:blipFill>
         <p:spPr>
           <a:xfrm>
-            <a:off x="8015817" y="3477050"/>
+            <a:off x="843781" y="4796108"/>
             <a:ext cx="653368" cy="653368"/>
           </a:xfrm>
           <a:prstGeom prst="rect">
@@ -4174,10 +4216,10 @@
       </p:pic>
       <p:sp>
         <p:nvSpPr>
-          <p:cNvPr id="47" name="TextBox 46">
-            <a:extLst>
-              <a:ext uri="{FF2B5EF4-FFF2-40B4-BE49-F238E27FC236}">
-                <a16:creationId xmlns:a16="http://schemas.microsoft.com/office/drawing/2014/main" id="{BF8484E9-A086-C77C-2F6A-36B9E927AB1B}"/>
+          <p:cNvPr id="49" name="TextBox 48">
+            <a:extLst>
+              <a:ext uri="{FF2B5EF4-FFF2-40B4-BE49-F238E27FC236}">
+                <a16:creationId xmlns:a16="http://schemas.microsoft.com/office/drawing/2014/main" id="{6915DF88-BD1F-047B-80AF-CA1A83C4E97F}"/>
               </a:ext>
             </a:extLst>
           </p:cNvPr>
@@ -4186,8 +4228,8 @@
         </p:nvSpPr>
         <p:spPr>
           <a:xfrm>
-            <a:off x="7567736" y="4039437"/>
-            <a:ext cx="1565034" cy="276999"/>
+            <a:off x="2824177" y="4019043"/>
+            <a:ext cx="3394270" cy="276999"/>
           </a:xfrm>
           <a:prstGeom prst="rect">
             <a:avLst/>
@@ -4203,79 +4245,6 @@
             <a:pPr algn="ctr"/>
             <a:r>
               <a:rPr lang="es-ES" sz="1200" dirty="0" err="1"/>
-              <a:t>Webhook</a:t>
-            </a:r>
-            <a:endParaRPr lang="en-US" sz="1200" dirty="0"/>
-          </a:p>
-        </p:txBody>
-      </p:sp>
-      <p:pic>
-        <p:nvPicPr>
-          <p:cNvPr id="48" name="Picture 47" descr="A blue and white logo&#10;&#10;AI-generated content may be incorrect.">
-            <a:extLst>
-              <a:ext uri="{FF2B5EF4-FFF2-40B4-BE49-F238E27FC236}">
-                <a16:creationId xmlns:a16="http://schemas.microsoft.com/office/drawing/2014/main" id="{340CE17B-7A83-5F61-57A1-86B944C9C2D6}"/>
-              </a:ext>
-            </a:extLst>
-          </p:cNvPr>
-          <p:cNvPicPr>
-            <a:picLocks noChangeAspect="1"/>
-          </p:cNvPicPr>
-          <p:nvPr/>
-        </p:nvPicPr>
-        <p:blipFill>
-          <a:blip r:embed="rId9">
-            <a:extLst>
-              <a:ext uri="{28A0092B-C50C-407E-A947-70E740481C1C}">
-                <a14:useLocalDpi xmlns:a14="http://schemas.microsoft.com/office/drawing/2010/main" val="0"/>
-              </a:ext>
-            </a:extLst>
-          </a:blip>
-          <a:stretch>
-            <a:fillRect/>
-          </a:stretch>
-        </p:blipFill>
-        <p:spPr>
-          <a:xfrm>
-            <a:off x="843781" y="4926740"/>
-            <a:ext cx="653368" cy="653368"/>
-          </a:xfrm>
-          <a:prstGeom prst="rect">
-            <a:avLst/>
-          </a:prstGeom>
-        </p:spPr>
-      </p:pic>
-      <p:sp>
-        <p:nvSpPr>
-          <p:cNvPr id="49" name="TextBox 48">
-            <a:extLst>
-              <a:ext uri="{FF2B5EF4-FFF2-40B4-BE49-F238E27FC236}">
-                <a16:creationId xmlns:a16="http://schemas.microsoft.com/office/drawing/2014/main" id="{6915DF88-BD1F-047B-80AF-CA1A83C4E97F}"/>
-              </a:ext>
-            </a:extLst>
-          </p:cNvPr>
-          <p:cNvSpPr txBox="1"/>
-          <p:nvPr/>
-        </p:nvSpPr>
-        <p:spPr>
-          <a:xfrm>
-            <a:off x="387948" y="5580108"/>
-            <a:ext cx="1565034" cy="646331"/>
-          </a:xfrm>
-          <a:prstGeom prst="rect">
-            <a:avLst/>
-          </a:prstGeom>
-          <a:noFill/>
-        </p:spPr>
-        <p:txBody>
-          <a:bodyPr wrap="square" rtlCol="0">
-            <a:spAutoFit/>
-          </a:bodyPr>
-          <a:lstStyle/>
-          <a:p>
-            <a:pPr algn="ctr"/>
-            <a:r>
-              <a:rPr lang="es-ES" sz="1200" dirty="0" err="1"/>
               <a:t>Asynchronous</a:t>
             </a:r>
             <a:r>
@@ -4312,7 +4281,7 @@
         </p:nvCxnSpPr>
         <p:spPr>
           <a:xfrm>
-            <a:off x="1589494" y="5375564"/>
+            <a:off x="1589494" y="5244932"/>
             <a:ext cx="884644" cy="0"/>
           </a:xfrm>
           <a:prstGeom prst="straightConnector1">
@@ -4351,8 +4320,8 @@
         </p:nvSpPr>
         <p:spPr>
           <a:xfrm>
-            <a:off x="1532864" y="5092896"/>
-            <a:ext cx="992754" cy="276999"/>
+            <a:off x="1532864" y="4820748"/>
+            <a:ext cx="992754" cy="646331"/>
           </a:xfrm>
           <a:prstGeom prst="rect">
             <a:avLst/>
@@ -4369,6 +4338,22 @@
             <a:r>
               <a:rPr lang="es-ES" sz="1200" dirty="0" err="1"/>
               <a:t>Insert</a:t>
+            </a:r>
+            <a:r>
+              <a:rPr lang="es-ES" sz="1200" dirty="0"/>
+              <a:t> </a:t>
+            </a:r>
+            <a:r>
+              <a:rPr lang="es-ES" sz="1200" dirty="0" err="1"/>
+              <a:t>document</a:t>
+            </a:r>
+            <a:r>
+              <a:rPr lang="es-ES" sz="1200" dirty="0"/>
+              <a:t> </a:t>
+            </a:r>
+            <a:r>
+              <a:rPr lang="es-ES" sz="1200" dirty="0" err="1"/>
+              <a:t>info</a:t>
             </a:r>
             <a:endParaRPr lang="en-US" sz="1200" dirty="0"/>
           </a:p>
@@ -4402,7 +4387,7 @@
         </p:blipFill>
         <p:spPr>
           <a:xfrm>
-            <a:off x="827691" y="4179101"/>
+            <a:off x="440603" y="6002274"/>
             <a:ext cx="1338916" cy="430245"/>
           </a:xfrm>
           <a:prstGeom prst="rect">
@@ -4424,8 +4409,8 @@
         </p:nvSpPr>
         <p:spPr>
           <a:xfrm>
-            <a:off x="293715" y="4513553"/>
-            <a:ext cx="3110375" cy="276999"/>
+            <a:off x="348145" y="6375008"/>
+            <a:ext cx="1565034" cy="461665"/>
           </a:xfrm>
           <a:prstGeom prst="rect">
             <a:avLst/>
@@ -4467,7 +4452,7 @@
         </p:nvSpPr>
         <p:spPr>
           <a:xfrm>
-            <a:off x="2474138" y="5662754"/>
+            <a:off x="2450090" y="5466871"/>
             <a:ext cx="992754" cy="276999"/>
           </a:xfrm>
           <a:prstGeom prst="rect">
@@ -4506,7 +4491,7 @@
         </p:nvCxnSpPr>
         <p:spPr>
           <a:xfrm>
-            <a:off x="3575094" y="5369895"/>
+            <a:off x="3575094" y="5239263"/>
             <a:ext cx="1229644" cy="0"/>
           </a:xfrm>
           <a:prstGeom prst="straightConnector1">
@@ -4545,7 +4530,7 @@
         </p:nvSpPr>
         <p:spPr>
           <a:xfrm>
-            <a:off x="3424392" y="5107189"/>
+            <a:off x="3424392" y="4976557"/>
             <a:ext cx="1473052" cy="461665"/>
           </a:xfrm>
           <a:prstGeom prst="rect">
@@ -4612,7 +4597,7 @@
         </p:blipFill>
         <p:spPr>
           <a:xfrm>
-            <a:off x="4897444" y="5125208"/>
+            <a:off x="4897444" y="4994576"/>
             <a:ext cx="1338916" cy="430245"/>
           </a:xfrm>
           <a:prstGeom prst="rect">
@@ -4677,7 +4662,7 @@
         </p:nvSpPr>
         <p:spPr>
           <a:xfrm>
-            <a:off x="4909914" y="5548958"/>
+            <a:off x="4909914" y="5418326"/>
             <a:ext cx="1394038" cy="646331"/>
           </a:xfrm>
           <a:prstGeom prst="rect">
@@ -4799,7 +4784,7 @@
         </p:nvCxnSpPr>
         <p:spPr>
           <a:xfrm>
-            <a:off x="6526339" y="5369895"/>
+            <a:off x="6526339" y="5239263"/>
             <a:ext cx="1229644" cy="0"/>
           </a:xfrm>
           <a:prstGeom prst="straightConnector1">
@@ -4852,7 +4837,7 @@
         </p:blipFill>
         <p:spPr>
           <a:xfrm>
-            <a:off x="8150133" y="5047346"/>
+            <a:off x="8150133" y="4916714"/>
             <a:ext cx="682395" cy="682395"/>
           </a:xfrm>
           <a:prstGeom prst="rect">
@@ -4888,7 +4873,7 @@
         </p:blipFill>
         <p:spPr>
           <a:xfrm>
-            <a:off x="9200363" y="5141086"/>
+            <a:off x="9102389" y="4977796"/>
             <a:ext cx="1124854" cy="585337"/>
           </a:xfrm>
           <a:prstGeom prst="rect">
@@ -4910,7 +4895,7 @@
         </p:nvSpPr>
         <p:spPr>
           <a:xfrm>
-            <a:off x="6222623" y="5092896"/>
+            <a:off x="6222623" y="4962264"/>
             <a:ext cx="2166198" cy="276999"/>
           </a:xfrm>
           <a:prstGeom prst="rect">
@@ -4959,7 +4944,7 @@
         </p:blipFill>
         <p:spPr>
           <a:xfrm>
-            <a:off x="8218873" y="6092795"/>
+            <a:off x="8218873" y="5962163"/>
             <a:ext cx="682395" cy="682395"/>
           </a:xfrm>
           <a:prstGeom prst="rect">
@@ -4981,7 +4966,7 @@
         </p:nvCxnSpPr>
         <p:spPr>
           <a:xfrm flipV="1">
-            <a:off x="8541139" y="5805332"/>
+            <a:off x="8541139" y="5674700"/>
             <a:ext cx="0" cy="340725"/>
           </a:xfrm>
           <a:prstGeom prst="line">
@@ -5015,17 +5000,20 @@
               </a:ext>
             </a:extLst>
           </p:cNvPr>
-          <p:cNvCxnSpPr/>
+          <p:cNvCxnSpPr>
+            <a:cxnSpLocks/>
+          </p:cNvCxnSpPr>
           <p:nvPr/>
         </p:nvCxnSpPr>
         <p:spPr>
           <a:xfrm>
-            <a:off x="9132770" y="5231395"/>
+            <a:off x="9078340" y="5013675"/>
             <a:ext cx="0" cy="495028"/>
           </a:xfrm>
           <a:prstGeom prst="line">
             <a:avLst/>
           </a:prstGeom>
+          <a:ln w="19050"/>
         </p:spPr>
         <p:style>
           <a:lnRef idx="2">
@@ -5056,7 +5044,7 @@
         </p:nvCxnSpPr>
         <p:spPr>
           <a:xfrm>
-            <a:off x="8959852" y="5475070"/>
+            <a:off x="8905422" y="5257350"/>
             <a:ext cx="370403" cy="6495"/>
           </a:xfrm>
           <a:prstGeom prst="line">
@@ -5092,7 +5080,7 @@
         </p:nvSpPr>
         <p:spPr>
           <a:xfrm>
-            <a:off x="10993999" y="3845733"/>
+            <a:off x="10993999" y="3715101"/>
             <a:ext cx="1019645" cy="276999"/>
           </a:xfrm>
           <a:prstGeom prst="rect">
@@ -5127,7 +5115,7 @@
         </p:nvSpPr>
         <p:spPr>
           <a:xfrm>
-            <a:off x="8044762" y="6611376"/>
+            <a:off x="8044762" y="6480744"/>
             <a:ext cx="992754" cy="276999"/>
           </a:xfrm>
           <a:prstGeom prst="rect">
@@ -5162,13 +5150,14 @@
           <p:cNvCxnSpPr>
             <a:cxnSpLocks/>
             <a:stCxn id="68" idx="0"/>
+            <a:endCxn id="24" idx="2"/>
           </p:cNvCxnSpPr>
           <p:nvPr/>
         </p:nvCxnSpPr>
         <p:spPr>
-          <a:xfrm flipH="1" flipV="1">
-            <a:off x="9751553" y="1999703"/>
-            <a:ext cx="11237" cy="3141383"/>
+          <a:xfrm flipV="1">
+            <a:off x="9664816" y="1969368"/>
+            <a:ext cx="15093" cy="3008428"/>
           </a:xfrm>
           <a:prstGeom prst="straightConnector1">
             <a:avLst/>
@@ -5206,7 +5195,7 @@
         </p:nvSpPr>
         <p:spPr>
           <a:xfrm>
-            <a:off x="9922206" y="1078631"/>
+            <a:off x="9855923" y="1101476"/>
             <a:ext cx="1033529" cy="276999"/>
           </a:xfrm>
           <a:prstGeom prst="rect">
@@ -5255,7 +5244,7 @@
         </p:blipFill>
         <p:spPr>
           <a:xfrm>
-            <a:off x="11125028" y="3108791"/>
+            <a:off x="11125028" y="2978159"/>
             <a:ext cx="694943" cy="694943"/>
           </a:xfrm>
           <a:prstGeom prst="rect">
@@ -5274,13 +5263,14 @@
           </p:cNvPr>
           <p:cNvCxnSpPr>
             <a:cxnSpLocks/>
+            <a:stCxn id="23" idx="2"/>
           </p:cNvCxnSpPr>
           <p:nvPr/>
         </p:nvCxnSpPr>
         <p:spPr>
           <a:xfrm>
-            <a:off x="11416239" y="2151605"/>
-            <a:ext cx="0" cy="877922"/>
+            <a:off x="11386325" y="2087805"/>
+            <a:ext cx="29914" cy="811090"/>
           </a:xfrm>
           <a:prstGeom prst="straightConnector1">
             <a:avLst/>
@@ -5318,7 +5308,7 @@
         </p:nvSpPr>
         <p:spPr>
           <a:xfrm>
-            <a:off x="9498675" y="5862612"/>
+            <a:off x="9189308" y="5558345"/>
             <a:ext cx="1512114" cy="276999"/>
           </a:xfrm>
           <a:prstGeom prst="rect">
@@ -5355,7 +5345,7 @@
         </p:nvCxnSpPr>
         <p:spPr>
           <a:xfrm>
-            <a:off x="11483798" y="4179101"/>
+            <a:off x="11483798" y="4048469"/>
             <a:ext cx="0" cy="877922"/>
           </a:xfrm>
           <a:prstGeom prst="straightConnector1">
@@ -5408,7 +5398,7 @@
         </p:blipFill>
         <p:spPr>
           <a:xfrm>
-            <a:off x="11209998" y="5047346"/>
+            <a:off x="11209998" y="4916714"/>
             <a:ext cx="682395" cy="682395"/>
           </a:xfrm>
           <a:prstGeom prst="rect">
@@ -5430,7 +5420,7 @@
         </p:nvSpPr>
         <p:spPr>
           <a:xfrm>
-            <a:off x="11007443" y="5675880"/>
+            <a:off x="11007443" y="5545248"/>
             <a:ext cx="1124847" cy="276999"/>
           </a:xfrm>
           <a:prstGeom prst="rect">
@@ -5471,7 +5461,7 @@
         </p:nvSpPr>
         <p:spPr>
           <a:xfrm>
-            <a:off x="2346950" y="209367"/>
+            <a:off x="2346950" y="329026"/>
             <a:ext cx="8023388" cy="369332"/>
           </a:xfrm>
           <a:prstGeom prst="rect">
@@ -5493,6 +5483,606 @@
           </a:p>
         </p:txBody>
       </p:sp>
+      <p:sp>
+        <p:nvSpPr>
+          <p:cNvPr id="3" name="TextBox 2">
+            <a:extLst>
+              <a:ext uri="{FF2B5EF4-FFF2-40B4-BE49-F238E27FC236}">
+                <a16:creationId xmlns:a16="http://schemas.microsoft.com/office/drawing/2014/main" id="{0DCFED2D-4A96-50EE-3A02-DE4E1402D168}"/>
+              </a:ext>
+            </a:extLst>
+          </p:cNvPr>
+          <p:cNvSpPr txBox="1"/>
+          <p:nvPr/>
+        </p:nvSpPr>
+        <p:spPr>
+          <a:xfrm>
+            <a:off x="9883383" y="1371285"/>
+            <a:ext cx="1033529" cy="276999"/>
+          </a:xfrm>
+          <a:prstGeom prst="rect">
+            <a:avLst/>
+          </a:prstGeom>
+          <a:noFill/>
+        </p:spPr>
+        <p:txBody>
+          <a:bodyPr wrap="square" rtlCol="0">
+            <a:spAutoFit/>
+          </a:bodyPr>
+          <a:lstStyle/>
+          <a:p>
+            <a:r>
+              <a:rPr lang="en-US" sz="1200" dirty="0" err="1"/>
+              <a:t>Groq</a:t>
+            </a:r>
+            <a:r>
+              <a:rPr lang="en-US" sz="1200" dirty="0"/>
+              <a:t> API key</a:t>
+            </a:r>
+          </a:p>
+        </p:txBody>
+      </p:sp>
+      <p:pic>
+        <p:nvPicPr>
+          <p:cNvPr id="6" name="Picture 5" descr="A pink globe with a white background&#10;&#10;AI-generated content may be incorrect.">
+            <a:extLst>
+              <a:ext uri="{FF2B5EF4-FFF2-40B4-BE49-F238E27FC236}">
+                <a16:creationId xmlns:a16="http://schemas.microsoft.com/office/drawing/2014/main" id="{D26A4885-637D-A308-D805-B6501C7A0745}"/>
+              </a:ext>
+            </a:extLst>
+          </p:cNvPr>
+          <p:cNvPicPr>
+            <a:picLocks noChangeAspect="1"/>
+          </p:cNvPicPr>
+          <p:nvPr/>
+        </p:nvPicPr>
+        <p:blipFill>
+          <a:blip r:embed="rId12">
+            <a:extLst>
+              <a:ext uri="{28A0092B-C50C-407E-A947-70E740481C1C}">
+                <a14:useLocalDpi xmlns:a14="http://schemas.microsoft.com/office/drawing/2010/main" val="0"/>
+              </a:ext>
+            </a:extLst>
+          </a:blip>
+          <a:stretch>
+            <a:fillRect/>
+          </a:stretch>
+        </p:blipFill>
+        <p:spPr>
+          <a:xfrm>
+            <a:off x="7982277" y="2915879"/>
+            <a:ext cx="732310" cy="732310"/>
+          </a:xfrm>
+          <a:prstGeom prst="rect">
+            <a:avLst/>
+          </a:prstGeom>
+        </p:spPr>
+      </p:pic>
+      <p:sp>
+        <p:nvSpPr>
+          <p:cNvPr id="8" name="TextBox 7">
+            <a:extLst>
+              <a:ext uri="{FF2B5EF4-FFF2-40B4-BE49-F238E27FC236}">
+                <a16:creationId xmlns:a16="http://schemas.microsoft.com/office/drawing/2014/main" id="{7739C18F-0FDB-A92D-992D-127EDAE21947}"/>
+              </a:ext>
+            </a:extLst>
+          </p:cNvPr>
+          <p:cNvSpPr txBox="1"/>
+          <p:nvPr/>
+        </p:nvSpPr>
+        <p:spPr>
+          <a:xfrm>
+            <a:off x="6564324" y="3054194"/>
+            <a:ext cx="1565034" cy="461665"/>
+          </a:xfrm>
+          <a:prstGeom prst="rect">
+            <a:avLst/>
+          </a:prstGeom>
+          <a:noFill/>
+        </p:spPr>
+        <p:txBody>
+          <a:bodyPr wrap="square" rtlCol="0">
+            <a:spAutoFit/>
+          </a:bodyPr>
+          <a:lstStyle/>
+          <a:p>
+            <a:pPr algn="ctr"/>
+            <a:r>
+              <a:rPr lang="es-ES" sz="1200" dirty="0" err="1"/>
+              <a:t>Oauth</a:t>
+            </a:r>
+            <a:r>
+              <a:rPr lang="es-ES" sz="1200" dirty="0"/>
+              <a:t> 2.0 (</a:t>
+            </a:r>
+            <a:r>
+              <a:rPr lang="es-ES" sz="1200" dirty="0" err="1"/>
+              <a:t>bearer</a:t>
+            </a:r>
+            <a:r>
+              <a:rPr lang="es-ES" sz="1200" dirty="0"/>
+              <a:t> token)</a:t>
+            </a:r>
+            <a:endParaRPr lang="en-US" sz="1200" dirty="0"/>
+          </a:p>
+        </p:txBody>
+      </p:sp>
+      <p:cxnSp>
+        <p:nvCxnSpPr>
+          <p:cNvPr id="25" name="Connector: Elbow 24">
+            <a:extLst>
+              <a:ext uri="{FF2B5EF4-FFF2-40B4-BE49-F238E27FC236}">
+                <a16:creationId xmlns:a16="http://schemas.microsoft.com/office/drawing/2014/main" id="{B49F6EDF-6986-6CCB-92F7-533D13B58B00}"/>
+              </a:ext>
+            </a:extLst>
+          </p:cNvPr>
+          <p:cNvCxnSpPr>
+            <a:stCxn id="47" idx="2"/>
+            <a:endCxn id="48" idx="0"/>
+          </p:cNvCxnSpPr>
+          <p:nvPr/>
+        </p:nvCxnSpPr>
+        <p:spPr>
+          <a:xfrm rot="5400000">
+            <a:off x="4279386" y="746668"/>
+            <a:ext cx="940520" cy="7158361"/>
+          </a:xfrm>
+          <a:prstGeom prst="bentConnector3">
+            <a:avLst/>
+          </a:prstGeom>
+          <a:ln>
+            <a:prstDash val="sysDash"/>
+            <a:tailEnd type="triangle"/>
+          </a:ln>
+        </p:spPr>
+        <p:style>
+          <a:lnRef idx="2">
+            <a:schemeClr val="accent1"/>
+          </a:lnRef>
+          <a:fillRef idx="0">
+            <a:schemeClr val="accent1"/>
+          </a:fillRef>
+          <a:effectRef idx="1">
+            <a:schemeClr val="accent1"/>
+          </a:effectRef>
+          <a:fontRef idx="minor">
+            <a:schemeClr val="tx1"/>
+          </a:fontRef>
+        </p:style>
+      </p:cxnSp>
+      <p:sp>
+        <p:nvSpPr>
+          <p:cNvPr id="27" name="TextBox 26">
+            <a:extLst>
+              <a:ext uri="{FF2B5EF4-FFF2-40B4-BE49-F238E27FC236}">
+                <a16:creationId xmlns:a16="http://schemas.microsoft.com/office/drawing/2014/main" id="{4160CE64-D383-ACB5-C149-CE80F14FDFD8}"/>
+              </a:ext>
+            </a:extLst>
+          </p:cNvPr>
+          <p:cNvSpPr txBox="1"/>
+          <p:nvPr/>
+        </p:nvSpPr>
+        <p:spPr>
+          <a:xfrm>
+            <a:off x="330096" y="5440098"/>
+            <a:ext cx="1565034" cy="276999"/>
+          </a:xfrm>
+          <a:prstGeom prst="rect">
+            <a:avLst/>
+          </a:prstGeom>
+          <a:noFill/>
+        </p:spPr>
+        <p:txBody>
+          <a:bodyPr wrap="square" rtlCol="0">
+            <a:spAutoFit/>
+          </a:bodyPr>
+          <a:lstStyle/>
+          <a:p>
+            <a:pPr algn="ctr"/>
+            <a:r>
+              <a:rPr lang="es-ES" sz="1200" dirty="0" err="1"/>
+              <a:t>Webhook</a:t>
+            </a:r>
+            <a:r>
+              <a:rPr lang="es-ES" sz="1200" dirty="0"/>
+              <a:t> </a:t>
+            </a:r>
+            <a:r>
+              <a:rPr lang="es-ES" sz="1200" dirty="0" err="1"/>
+              <a:t>Listener</a:t>
+            </a:r>
+            <a:endParaRPr lang="en-US" sz="1200" dirty="0"/>
+          </a:p>
+        </p:txBody>
+      </p:sp>
+      <p:cxnSp>
+        <p:nvCxnSpPr>
+          <p:cNvPr id="30" name="Straight Connector 29">
+            <a:extLst>
+              <a:ext uri="{FF2B5EF4-FFF2-40B4-BE49-F238E27FC236}">
+                <a16:creationId xmlns:a16="http://schemas.microsoft.com/office/drawing/2014/main" id="{CBD7C280-5090-8F46-98CC-11A157574810}"/>
+              </a:ext>
+            </a:extLst>
+          </p:cNvPr>
+          <p:cNvCxnSpPr/>
+          <p:nvPr/>
+        </p:nvCxnSpPr>
+        <p:spPr>
+          <a:xfrm flipV="1">
+            <a:off x="1177205" y="5681739"/>
+            <a:ext cx="0" cy="340725"/>
+          </a:xfrm>
+          <a:prstGeom prst="line">
+            <a:avLst/>
+          </a:prstGeom>
+          <a:ln>
+            <a:prstDash val="sysDot"/>
+          </a:ln>
+        </p:spPr>
+        <p:style>
+          <a:lnRef idx="2">
+            <a:schemeClr val="accent1"/>
+          </a:lnRef>
+          <a:fillRef idx="0">
+            <a:schemeClr val="accent1"/>
+          </a:fillRef>
+          <a:effectRef idx="1">
+            <a:schemeClr val="accent1"/>
+          </a:effectRef>
+          <a:fontRef idx="minor">
+            <a:schemeClr val="tx1"/>
+          </a:fontRef>
+        </p:style>
+      </p:cxnSp>
+      <p:pic>
+        <p:nvPicPr>
+          <p:cNvPr id="1028" name="Picture 4" descr="OAuth2 authentication in Call URL ...">
+            <a:extLst>
+              <a:ext uri="{FF2B5EF4-FFF2-40B4-BE49-F238E27FC236}">
+                <a16:creationId xmlns:a16="http://schemas.microsoft.com/office/drawing/2014/main" id="{0EB41B67-E418-C299-1361-3E7FEA8D4E82}"/>
+              </a:ext>
+            </a:extLst>
+          </p:cNvPr>
+          <p:cNvPicPr>
+            <a:picLocks noChangeAspect="1" noChangeArrowheads="1"/>
+          </p:cNvPicPr>
+          <p:nvPr/>
+        </p:nvPicPr>
+        <p:blipFill>
+          <a:blip r:embed="rId13">
+            <a:extLst>
+              <a:ext uri="{28A0092B-C50C-407E-A947-70E740481C1C}">
+                <a14:useLocalDpi xmlns:a14="http://schemas.microsoft.com/office/drawing/2010/main" val="0"/>
+              </a:ext>
+            </a:extLst>
+          </a:blip>
+          <a:srcRect/>
+          <a:stretch>
+            <a:fillRect/>
+          </a:stretch>
+        </p:blipFill>
+        <p:spPr bwMode="auto">
+          <a:xfrm>
+            <a:off x="2521878" y="6289931"/>
+            <a:ext cx="728321" cy="499690"/>
+          </a:xfrm>
+          <a:prstGeom prst="rect">
+            <a:avLst/>
+          </a:prstGeom>
+          <a:noFill/>
+          <a:extLst>
+            <a:ext uri="{909E8E84-426E-40DD-AFC4-6F175D3DCCD1}">
+              <a14:hiddenFill xmlns:a14="http://schemas.microsoft.com/office/drawing/2010/main">
+                <a:solidFill>
+                  <a:srgbClr val="FFFFFF"/>
+                </a:solidFill>
+              </a14:hiddenFill>
+            </a:ext>
+          </a:extLst>
+        </p:spPr>
+      </p:pic>
+      <p:cxnSp>
+        <p:nvCxnSpPr>
+          <p:cNvPr id="34" name="Straight Connector 33">
+            <a:extLst>
+              <a:ext uri="{FF2B5EF4-FFF2-40B4-BE49-F238E27FC236}">
+                <a16:creationId xmlns:a16="http://schemas.microsoft.com/office/drawing/2014/main" id="{5423C697-27EF-FEA7-7D82-CE28FF916252}"/>
+              </a:ext>
+            </a:extLst>
+          </p:cNvPr>
+          <p:cNvCxnSpPr>
+            <a:cxnSpLocks/>
+            <a:stCxn id="1028" idx="0"/>
+          </p:cNvCxnSpPr>
+          <p:nvPr/>
+        </p:nvCxnSpPr>
+        <p:spPr>
+          <a:xfrm flipV="1">
+            <a:off x="2886039" y="5791800"/>
+            <a:ext cx="0" cy="498131"/>
+          </a:xfrm>
+          <a:prstGeom prst="line">
+            <a:avLst/>
+          </a:prstGeom>
+          <a:ln>
+            <a:prstDash val="sysDot"/>
+          </a:ln>
+        </p:spPr>
+        <p:style>
+          <a:lnRef idx="2">
+            <a:schemeClr val="accent1"/>
+          </a:lnRef>
+          <a:fillRef idx="0">
+            <a:schemeClr val="accent1"/>
+          </a:fillRef>
+          <a:effectRef idx="1">
+            <a:schemeClr val="accent1"/>
+          </a:effectRef>
+          <a:fontRef idx="minor">
+            <a:schemeClr val="tx1"/>
+          </a:fontRef>
+        </p:style>
+      </p:cxnSp>
+      <p:sp>
+        <p:nvSpPr>
+          <p:cNvPr id="35" name="TextBox 34">
+            <a:extLst>
+              <a:ext uri="{FF2B5EF4-FFF2-40B4-BE49-F238E27FC236}">
+                <a16:creationId xmlns:a16="http://schemas.microsoft.com/office/drawing/2014/main" id="{08989461-5EFA-5792-6BBB-C2B0C67BF6EF}"/>
+              </a:ext>
+            </a:extLst>
+          </p:cNvPr>
+          <p:cNvSpPr txBox="1"/>
+          <p:nvPr/>
+        </p:nvSpPr>
+        <p:spPr>
+          <a:xfrm>
+            <a:off x="2745796" y="5853512"/>
+            <a:ext cx="1284725" cy="461665"/>
+          </a:xfrm>
+          <a:prstGeom prst="rect">
+            <a:avLst/>
+          </a:prstGeom>
+          <a:noFill/>
+        </p:spPr>
+        <p:txBody>
+          <a:bodyPr wrap="square" rtlCol="0">
+            <a:spAutoFit/>
+          </a:bodyPr>
+          <a:lstStyle/>
+          <a:p>
+            <a:pPr algn="ctr"/>
+            <a:r>
+              <a:rPr lang="es-ES" sz="1200" dirty="0" err="1"/>
+              <a:t>Oauth</a:t>
+            </a:r>
+            <a:r>
+              <a:rPr lang="es-ES" sz="1200" dirty="0"/>
+              <a:t> 2.0 </a:t>
+            </a:r>
+            <a:r>
+              <a:rPr lang="es-ES" sz="1200" dirty="0" err="1"/>
+              <a:t>access</a:t>
+            </a:r>
+            <a:r>
+              <a:rPr lang="es-ES" sz="1200" dirty="0"/>
+              <a:t> token</a:t>
+            </a:r>
+            <a:endParaRPr lang="en-US" sz="1200" dirty="0"/>
+          </a:p>
+        </p:txBody>
+      </p:sp>
+      <p:sp>
+        <p:nvSpPr>
+          <p:cNvPr id="37" name="TextBox 36">
+            <a:extLst>
+              <a:ext uri="{FF2B5EF4-FFF2-40B4-BE49-F238E27FC236}">
+                <a16:creationId xmlns:a16="http://schemas.microsoft.com/office/drawing/2014/main" id="{329B20D7-F8D7-427F-03CF-A1F0F551B6C1}"/>
+              </a:ext>
+            </a:extLst>
+          </p:cNvPr>
+          <p:cNvSpPr txBox="1"/>
+          <p:nvPr/>
+        </p:nvSpPr>
+        <p:spPr>
+          <a:xfrm>
+            <a:off x="8269278" y="5674700"/>
+            <a:ext cx="992754" cy="276999"/>
+          </a:xfrm>
+          <a:prstGeom prst="rect">
+            <a:avLst/>
+          </a:prstGeom>
+          <a:noFill/>
+        </p:spPr>
+        <p:txBody>
+          <a:bodyPr wrap="square" rtlCol="0">
+            <a:spAutoFit/>
+          </a:bodyPr>
+          <a:lstStyle/>
+          <a:p>
+            <a:pPr algn="ctr"/>
+            <a:r>
+              <a:rPr lang="es-ES" sz="1200" dirty="0" err="1"/>
+              <a:t>Read</a:t>
+            </a:r>
+            <a:endParaRPr lang="en-US" sz="1200" dirty="0"/>
+          </a:p>
+        </p:txBody>
+      </p:sp>
+      <p:sp>
+        <p:nvSpPr>
+          <p:cNvPr id="39" name="TextBox 38">
+            <a:extLst>
+              <a:ext uri="{FF2B5EF4-FFF2-40B4-BE49-F238E27FC236}">
+                <a16:creationId xmlns:a16="http://schemas.microsoft.com/office/drawing/2014/main" id="{EB8843E1-7E07-492E-5D38-BF810EBA5239}"/>
+              </a:ext>
+            </a:extLst>
+          </p:cNvPr>
+          <p:cNvSpPr txBox="1"/>
+          <p:nvPr/>
+        </p:nvSpPr>
+        <p:spPr>
+          <a:xfrm>
+            <a:off x="7092556" y="5403181"/>
+            <a:ext cx="1033529" cy="276999"/>
+          </a:xfrm>
+          <a:prstGeom prst="rect">
+            <a:avLst/>
+          </a:prstGeom>
+          <a:noFill/>
+        </p:spPr>
+        <p:txBody>
+          <a:bodyPr wrap="square" rtlCol="0">
+            <a:spAutoFit/>
+          </a:bodyPr>
+          <a:lstStyle/>
+          <a:p>
+            <a:r>
+              <a:rPr lang="en-US" sz="1200" dirty="0" err="1"/>
+              <a:t>Groq</a:t>
+            </a:r>
+            <a:r>
+              <a:rPr lang="en-US" sz="1200" dirty="0"/>
+              <a:t> API key</a:t>
+            </a:r>
+          </a:p>
+        </p:txBody>
+      </p:sp>
+      <p:pic>
+        <p:nvPicPr>
+          <p:cNvPr id="41" name="Picture 40" descr="A blue and black logo&#10;&#10;AI-generated content may be incorrect.">
+            <a:extLst>
+              <a:ext uri="{FF2B5EF4-FFF2-40B4-BE49-F238E27FC236}">
+                <a16:creationId xmlns:a16="http://schemas.microsoft.com/office/drawing/2014/main" id="{A423E555-0255-6059-8B94-69F25A34DFE3}"/>
+              </a:ext>
+            </a:extLst>
+          </p:cNvPr>
+          <p:cNvPicPr>
+            <a:picLocks noChangeAspect="1"/>
+          </p:cNvPicPr>
+          <p:nvPr/>
+        </p:nvPicPr>
+        <p:blipFill>
+          <a:blip r:embed="rId6">
+            <a:extLst>
+              <a:ext uri="{28A0092B-C50C-407E-A947-70E740481C1C}">
+                <a14:useLocalDpi xmlns:a14="http://schemas.microsoft.com/office/drawing/2010/main" val="0"/>
+              </a:ext>
+            </a:extLst>
+          </a:blip>
+          <a:stretch>
+            <a:fillRect/>
+          </a:stretch>
+        </p:blipFill>
+        <p:spPr>
+          <a:xfrm>
+            <a:off x="6625623" y="5788892"/>
+            <a:ext cx="911928" cy="637925"/>
+          </a:xfrm>
+          <a:prstGeom prst="rect">
+            <a:avLst/>
+          </a:prstGeom>
+        </p:spPr>
+      </p:pic>
+      <p:sp>
+        <p:nvSpPr>
+          <p:cNvPr id="42" name="TextBox 41">
+            <a:extLst>
+              <a:ext uri="{FF2B5EF4-FFF2-40B4-BE49-F238E27FC236}">
+                <a16:creationId xmlns:a16="http://schemas.microsoft.com/office/drawing/2014/main" id="{023C7D1C-8BFC-023C-5134-12E161CA82FA}"/>
+              </a:ext>
+            </a:extLst>
+          </p:cNvPr>
+          <p:cNvSpPr txBox="1"/>
+          <p:nvPr/>
+        </p:nvSpPr>
+        <p:spPr>
+          <a:xfrm>
+            <a:off x="6293711" y="6202508"/>
+            <a:ext cx="1565034" cy="461665"/>
+          </a:xfrm>
+          <a:prstGeom prst="rect">
+            <a:avLst/>
+          </a:prstGeom>
+          <a:noFill/>
+        </p:spPr>
+        <p:txBody>
+          <a:bodyPr wrap="square" rtlCol="0">
+            <a:spAutoFit/>
+          </a:bodyPr>
+          <a:lstStyle/>
+          <a:p>
+            <a:pPr algn="ctr"/>
+            <a:r>
+              <a:rPr lang="es-ES" sz="1200" dirty="0"/>
+              <a:t>Llama 3.2 90B </a:t>
+            </a:r>
+            <a:r>
+              <a:rPr lang="es-ES" sz="1200" dirty="0" err="1"/>
+              <a:t>Vision</a:t>
+            </a:r>
+            <a:r>
+              <a:rPr lang="es-ES" sz="1200" dirty="0"/>
+              <a:t> (</a:t>
+            </a:r>
+            <a:r>
+              <a:rPr lang="es-ES" sz="1200" dirty="0" err="1"/>
+              <a:t>Preview</a:t>
+            </a:r>
+            <a:r>
+              <a:rPr lang="es-ES" sz="1200" dirty="0"/>
+              <a:t>) </a:t>
+            </a:r>
+            <a:r>
+              <a:rPr lang="es-ES" sz="1200" dirty="0" err="1"/>
+              <a:t>model</a:t>
+            </a:r>
+            <a:endParaRPr lang="en-US" sz="1200" dirty="0"/>
+          </a:p>
+        </p:txBody>
+      </p:sp>
+      <p:cxnSp>
+        <p:nvCxnSpPr>
+          <p:cNvPr id="45" name="Straight Connector 44">
+            <a:extLst>
+              <a:ext uri="{FF2B5EF4-FFF2-40B4-BE49-F238E27FC236}">
+                <a16:creationId xmlns:a16="http://schemas.microsoft.com/office/drawing/2014/main" id="{18AF45BD-3F36-27C4-C49F-9214416A1B79}"/>
+              </a:ext>
+            </a:extLst>
+          </p:cNvPr>
+          <p:cNvCxnSpPr>
+            <a:cxnSpLocks/>
+          </p:cNvCxnSpPr>
+          <p:nvPr/>
+        </p:nvCxnSpPr>
+        <p:spPr>
+          <a:xfrm flipV="1">
+            <a:off x="7141161" y="5220115"/>
+            <a:ext cx="0" cy="679975"/>
+          </a:xfrm>
+          <a:prstGeom prst="line">
+            <a:avLst/>
+          </a:prstGeom>
+          <a:ln>
+            <a:prstDash val="sysDot"/>
+            <a:tailEnd type="triangle"/>
+          </a:ln>
+        </p:spPr>
+        <p:style>
+          <a:lnRef idx="2">
+            <a:schemeClr val="accent1"/>
+          </a:lnRef>
+          <a:fillRef idx="0">
+            <a:schemeClr val="accent1"/>
+          </a:fillRef>
+          <a:effectRef idx="1">
+            <a:schemeClr val="accent1"/>
+          </a:effectRef>
+          <a:fontRef idx="minor">
+            <a:schemeClr val="tx1"/>
+          </a:fontRef>
+        </p:style>
+      </p:cxnSp>
     </p:spTree>
     <p:extLst>
       <p:ext uri="{BB962C8B-B14F-4D97-AF65-F5344CB8AC3E}">
